--- a/WARMUP-TEAM PROJECT.pptx
+++ b/WARMUP-TEAM PROJECT.pptx
@@ -14,7 +14,7 @@
     <p:sldId id="261" r:id="rId8"/>
   </p:sldIdLst>
   <p:sldSz cx="12192000" cy="6858000"/>
-  <p:notesSz cx="6858000" cy="9144000"/>
+  <p:notesSz cx="6797675" cy="9874250"/>
   <p:defaultTextStyle>
     <a:defPPr>
       <a:defRPr lang="en-US"/>
@@ -719,7 +719,7 @@
           </a:lstStyle>
           <a:p>
             <a:r>
-              <a:rPr lang="ko-KR" altLang="en-US" smtClean="0"/>
+              <a:rPr lang="ko-KR" altLang="en-US"/>
               <a:t>마스터 제목 스타일 편집</a:t>
             </a:r>
             <a:endParaRPr lang="en-US" dirty="0"/>
@@ -839,7 +839,7 @@
           </a:lstStyle>
           <a:p>
             <a:r>
-              <a:rPr lang="ko-KR" altLang="en-US" smtClean="0"/>
+              <a:rPr lang="ko-KR" altLang="en-US"/>
               <a:t>마스터 부제목 스타일 편집</a:t>
             </a:r>
             <a:endParaRPr lang="en-US" dirty="0"/>
@@ -864,7 +864,7 @@
             <a:fld id="{B61BEF0D-F0BB-DE4B-95CE-6DB70DBA9567}" type="datetimeFigureOut">
               <a:rPr lang="en-US" dirty="0"/>
               <a:pPr/>
-              <a:t>9/26/2018</a:t>
+              <a:t>9/27/2018</a:t>
             </a:fld>
             <a:endParaRPr lang="en-US" dirty="0"/>
           </a:p>
@@ -965,7 +965,7 @@
           </a:lstStyle>
           <a:p>
             <a:r>
-              <a:rPr lang="ko-KR" altLang="en-US" smtClean="0"/>
+              <a:rPr lang="ko-KR" altLang="en-US"/>
               <a:t>마스터 제목 스타일 편집</a:t>
             </a:r>
             <a:endParaRPr lang="en-US" dirty="0"/>
@@ -1088,7 +1088,7 @@
           <a:p>
             <a:pPr lvl="0"/>
             <a:r>
-              <a:rPr lang="ko-KR" altLang="en-US" smtClean="0"/>
+              <a:rPr lang="ko-KR" altLang="en-US"/>
               <a:t>마스터 텍스트 스타일을 편집합니다</a:t>
             </a:r>
           </a:p>
@@ -1112,7 +1112,7 @@
             <a:fld id="{B61BEF0D-F0BB-DE4B-95CE-6DB70DBA9567}" type="datetimeFigureOut">
               <a:rPr lang="en-US" dirty="0"/>
               <a:pPr/>
-              <a:t>9/26/2018</a:t>
+              <a:t>9/27/2018</a:t>
             </a:fld>
             <a:endParaRPr lang="en-US" dirty="0"/>
           </a:p>
@@ -1213,7 +1213,7 @@
           </a:lstStyle>
           <a:p>
             <a:r>
-              <a:rPr lang="ko-KR" altLang="en-US" smtClean="0"/>
+              <a:rPr lang="ko-KR" altLang="en-US"/>
               <a:t>마스터 제목 스타일 편집</a:t>
             </a:r>
             <a:endParaRPr lang="en-US" dirty="0"/>
@@ -1277,7 +1277,7 @@
           <a:p>
             <a:pPr lvl="0"/>
             <a:r>
-              <a:rPr lang="ko-KR" altLang="en-US" smtClean="0"/>
+              <a:rPr lang="ko-KR" altLang="en-US"/>
               <a:t>마스터 텍스트 스타일을 편집합니다</a:t>
             </a:r>
           </a:p>
@@ -1399,7 +1399,7 @@
           <a:p>
             <a:pPr lvl="0"/>
             <a:r>
-              <a:rPr lang="ko-KR" altLang="en-US" smtClean="0"/>
+              <a:rPr lang="ko-KR" altLang="en-US"/>
               <a:t>마스터 텍스트 스타일을 편집합니다</a:t>
             </a:r>
           </a:p>
@@ -1423,7 +1423,7 @@
             <a:fld id="{B61BEF0D-F0BB-DE4B-95CE-6DB70DBA9567}" type="datetimeFigureOut">
               <a:rPr lang="en-US" dirty="0"/>
               <a:pPr/>
-              <a:t>9/26/2018</a:t>
+              <a:t>9/27/2018</a:t>
             </a:fld>
             <a:endParaRPr lang="en-US" dirty="0"/>
           </a:p>
@@ -1606,7 +1606,7 @@
           </a:lstStyle>
           <a:p>
             <a:r>
-              <a:rPr lang="ko-KR" altLang="en-US" smtClean="0"/>
+              <a:rPr lang="ko-KR" altLang="en-US"/>
               <a:t>마스터 제목 스타일 편집</a:t>
             </a:r>
             <a:endParaRPr lang="en-US" dirty="0"/>
@@ -1729,7 +1729,7 @@
           <a:p>
             <a:pPr lvl="0"/>
             <a:r>
-              <a:rPr lang="ko-KR" altLang="en-US" smtClean="0"/>
+              <a:rPr lang="ko-KR" altLang="en-US"/>
               <a:t>마스터 텍스트 스타일을 편집합니다</a:t>
             </a:r>
           </a:p>
@@ -1753,7 +1753,7 @@
             <a:fld id="{B61BEF0D-F0BB-DE4B-95CE-6DB70DBA9567}" type="datetimeFigureOut">
               <a:rPr lang="en-US" dirty="0"/>
               <a:pPr/>
-              <a:t>9/26/2018</a:t>
+              <a:t>9/27/2018</a:t>
             </a:fld>
             <a:endParaRPr lang="en-US" dirty="0"/>
           </a:p>
@@ -1854,7 +1854,7 @@
           </a:lstStyle>
           <a:p>
             <a:r>
-              <a:rPr lang="ko-KR" altLang="en-US" smtClean="0"/>
+              <a:rPr lang="ko-KR" altLang="en-US"/>
               <a:t>마스터 제목 스타일 편집</a:t>
             </a:r>
             <a:endParaRPr lang="en-US" dirty="0"/>
@@ -1918,7 +1918,7 @@
           <a:p>
             <a:pPr lvl="0"/>
             <a:r>
-              <a:rPr lang="ko-KR" altLang="en-US" smtClean="0"/>
+              <a:rPr lang="ko-KR" altLang="en-US"/>
               <a:t>마스터 텍스트 스타일을 편집합니다</a:t>
             </a:r>
           </a:p>
@@ -2040,7 +2040,7 @@
           <a:p>
             <a:pPr lvl="0"/>
             <a:r>
-              <a:rPr lang="ko-KR" altLang="en-US" smtClean="0"/>
+              <a:rPr lang="ko-KR" altLang="en-US"/>
               <a:t>마스터 텍스트 스타일을 편집합니다</a:t>
             </a:r>
           </a:p>
@@ -2064,7 +2064,7 @@
             <a:fld id="{B61BEF0D-F0BB-DE4B-95CE-6DB70DBA9567}" type="datetimeFigureOut">
               <a:rPr lang="en-US" dirty="0"/>
               <a:pPr/>
-              <a:t>9/26/2018</a:t>
+              <a:t>9/27/2018</a:t>
             </a:fld>
             <a:endParaRPr lang="en-US" dirty="0"/>
           </a:p>
@@ -2247,7 +2247,7 @@
           </a:lstStyle>
           <a:p>
             <a:r>
-              <a:rPr lang="ko-KR" altLang="en-US" smtClean="0"/>
+              <a:rPr lang="ko-KR" altLang="en-US"/>
               <a:t>마스터 제목 스타일 편집</a:t>
             </a:r>
             <a:endParaRPr lang="en-US" dirty="0"/>
@@ -2308,7 +2308,7 @@
           <a:p>
             <a:pPr lvl="0"/>
             <a:r>
-              <a:rPr lang="ko-KR" altLang="en-US" smtClean="0"/>
+              <a:rPr lang="ko-KR" altLang="en-US"/>
               <a:t>마스터 텍스트 스타일을 편집합니다</a:t>
             </a:r>
           </a:p>
@@ -2430,7 +2430,7 @@
           <a:p>
             <a:pPr lvl="0"/>
             <a:r>
-              <a:rPr lang="ko-KR" altLang="en-US" smtClean="0"/>
+              <a:rPr lang="ko-KR" altLang="en-US"/>
               <a:t>마스터 텍스트 스타일을 편집합니다</a:t>
             </a:r>
           </a:p>
@@ -2454,7 +2454,7 @@
             <a:fld id="{B61BEF0D-F0BB-DE4B-95CE-6DB70DBA9567}" type="datetimeFigureOut">
               <a:rPr lang="en-US" dirty="0"/>
               <a:pPr/>
-              <a:t>9/26/2018</a:t>
+              <a:t>9/27/2018</a:t>
             </a:fld>
             <a:endParaRPr lang="en-US" dirty="0"/>
           </a:p>
@@ -2544,7 +2544,7 @@
           <a:lstStyle/>
           <a:p>
             <a:r>
-              <a:rPr lang="ko-KR" altLang="en-US" smtClean="0"/>
+              <a:rPr lang="ko-KR" altLang="en-US"/>
               <a:t>마스터 제목 스타일 편집</a:t>
             </a:r>
             <a:endParaRPr lang="en-US" dirty="0"/>
@@ -2568,35 +2568,35 @@
           <a:p>
             <a:pPr lvl="0"/>
             <a:r>
-              <a:rPr lang="ko-KR" altLang="en-US" smtClean="0"/>
+              <a:rPr lang="ko-KR" altLang="en-US"/>
               <a:t>마스터 텍스트 스타일을 편집합니다</a:t>
             </a:r>
           </a:p>
           <a:p>
             <a:pPr lvl="1"/>
             <a:r>
-              <a:rPr lang="ko-KR" altLang="en-US" smtClean="0"/>
+              <a:rPr lang="ko-KR" altLang="en-US"/>
               <a:t>둘째 수준</a:t>
             </a:r>
           </a:p>
           <a:p>
             <a:pPr lvl="2"/>
             <a:r>
-              <a:rPr lang="ko-KR" altLang="en-US" smtClean="0"/>
+              <a:rPr lang="ko-KR" altLang="en-US"/>
               <a:t>셋째 수준</a:t>
             </a:r>
           </a:p>
           <a:p>
             <a:pPr lvl="3"/>
             <a:r>
-              <a:rPr lang="ko-KR" altLang="en-US" smtClean="0"/>
+              <a:rPr lang="ko-KR" altLang="en-US"/>
               <a:t>넷째 수준</a:t>
             </a:r>
           </a:p>
           <a:p>
             <a:pPr lvl="4"/>
             <a:r>
-              <a:rPr lang="ko-KR" altLang="en-US" smtClean="0"/>
+              <a:rPr lang="ko-KR" altLang="en-US"/>
               <a:t>다섯째 수준</a:t>
             </a:r>
             <a:endParaRPr lang="en-US" dirty="0"/>
@@ -2620,7 +2620,7 @@
           <a:p>
             <a:fld id="{55C6B4A9-1611-4792-9094-5F34BCA07E0B}" type="datetimeFigureOut">
               <a:rPr lang="en-US" dirty="0"/>
-              <a:t>9/26/2018</a:t>
+              <a:t>9/27/2018</a:t>
             </a:fld>
             <a:endParaRPr lang="en-US" dirty="0"/>
           </a:p>
@@ -2714,7 +2714,7 @@
           <a:lstStyle/>
           <a:p>
             <a:r>
-              <a:rPr lang="ko-KR" altLang="en-US" smtClean="0"/>
+              <a:rPr lang="ko-KR" altLang="en-US"/>
               <a:t>마스터 제목 스타일 편집</a:t>
             </a:r>
             <a:endParaRPr lang="en-US" dirty="0"/>
@@ -2743,35 +2743,35 @@
           <a:p>
             <a:pPr lvl="0"/>
             <a:r>
-              <a:rPr lang="ko-KR" altLang="en-US" smtClean="0"/>
+              <a:rPr lang="ko-KR" altLang="en-US"/>
               <a:t>마스터 텍스트 스타일을 편집합니다</a:t>
             </a:r>
           </a:p>
           <a:p>
             <a:pPr lvl="1"/>
             <a:r>
-              <a:rPr lang="ko-KR" altLang="en-US" smtClean="0"/>
+              <a:rPr lang="ko-KR" altLang="en-US"/>
               <a:t>둘째 수준</a:t>
             </a:r>
           </a:p>
           <a:p>
             <a:pPr lvl="2"/>
             <a:r>
-              <a:rPr lang="ko-KR" altLang="en-US" smtClean="0"/>
+              <a:rPr lang="ko-KR" altLang="en-US"/>
               <a:t>셋째 수준</a:t>
             </a:r>
           </a:p>
           <a:p>
             <a:pPr lvl="3"/>
             <a:r>
-              <a:rPr lang="ko-KR" altLang="en-US" smtClean="0"/>
+              <a:rPr lang="ko-KR" altLang="en-US"/>
               <a:t>넷째 수준</a:t>
             </a:r>
           </a:p>
           <a:p>
             <a:pPr lvl="4"/>
             <a:r>
-              <a:rPr lang="ko-KR" altLang="en-US" smtClean="0"/>
+              <a:rPr lang="ko-KR" altLang="en-US"/>
               <a:t>다섯째 수준</a:t>
             </a:r>
             <a:endParaRPr lang="en-US" dirty="0"/>
@@ -2796,7 +2796,7 @@
             <a:fld id="{B61BEF0D-F0BB-DE4B-95CE-6DB70DBA9567}" type="datetimeFigureOut">
               <a:rPr lang="en-US" dirty="0"/>
               <a:pPr/>
-              <a:t>9/26/2018</a:t>
+              <a:t>9/27/2018</a:t>
             </a:fld>
             <a:endParaRPr lang="en-US" dirty="0"/>
           </a:p>
@@ -2886,7 +2886,7 @@
           <a:lstStyle/>
           <a:p>
             <a:r>
-              <a:rPr lang="ko-KR" altLang="en-US" smtClean="0"/>
+              <a:rPr lang="ko-KR" altLang="en-US"/>
               <a:t>마스터 제목 스타일 편집</a:t>
             </a:r>
             <a:endParaRPr lang="en-US" dirty="0"/>
@@ -2910,35 +2910,35 @@
           <a:p>
             <a:pPr lvl="0"/>
             <a:r>
-              <a:rPr lang="ko-KR" altLang="en-US" smtClean="0"/>
+              <a:rPr lang="ko-KR" altLang="en-US"/>
               <a:t>마스터 텍스트 스타일을 편집합니다</a:t>
             </a:r>
           </a:p>
           <a:p>
             <a:pPr lvl="1"/>
             <a:r>
-              <a:rPr lang="ko-KR" altLang="en-US" smtClean="0"/>
+              <a:rPr lang="ko-KR" altLang="en-US"/>
               <a:t>둘째 수준</a:t>
             </a:r>
           </a:p>
           <a:p>
             <a:pPr lvl="2"/>
             <a:r>
-              <a:rPr lang="ko-KR" altLang="en-US" smtClean="0"/>
+              <a:rPr lang="ko-KR" altLang="en-US"/>
               <a:t>셋째 수준</a:t>
             </a:r>
           </a:p>
           <a:p>
             <a:pPr lvl="3"/>
             <a:r>
-              <a:rPr lang="ko-KR" altLang="en-US" smtClean="0"/>
+              <a:rPr lang="ko-KR" altLang="en-US"/>
               <a:t>넷째 수준</a:t>
             </a:r>
           </a:p>
           <a:p>
             <a:pPr lvl="4"/>
             <a:r>
-              <a:rPr lang="ko-KR" altLang="en-US" smtClean="0"/>
+              <a:rPr lang="ko-KR" altLang="en-US"/>
               <a:t>다섯째 수준</a:t>
             </a:r>
             <a:endParaRPr lang="en-US" dirty="0"/>
@@ -2962,7 +2962,7 @@
           <a:p>
             <a:fld id="{42A54C80-263E-416B-A8E0-580EDEADCBDC}" type="datetimeFigureOut">
               <a:rPr lang="en-US" dirty="0"/>
-              <a:t>9/26/2018</a:t>
+              <a:t>9/27/2018</a:t>
             </a:fld>
             <a:endParaRPr lang="en-US" dirty="0"/>
           </a:p>
@@ -3060,7 +3060,7 @@
           </a:lstStyle>
           <a:p>
             <a:r>
-              <a:rPr lang="ko-KR" altLang="en-US" smtClean="0"/>
+              <a:rPr lang="ko-KR" altLang="en-US"/>
               <a:t>마스터 제목 스타일 편집</a:t>
             </a:r>
             <a:endParaRPr lang="en-US" dirty="0"/>
@@ -3181,7 +3181,7 @@
           <a:p>
             <a:pPr lvl="0"/>
             <a:r>
-              <a:rPr lang="ko-KR" altLang="en-US" smtClean="0"/>
+              <a:rPr lang="ko-KR" altLang="en-US"/>
               <a:t>마스터 텍스트 스타일을 편집합니다</a:t>
             </a:r>
           </a:p>
@@ -3205,7 +3205,7 @@
             <a:fld id="{B61BEF0D-F0BB-DE4B-95CE-6DB70DBA9567}" type="datetimeFigureOut">
               <a:rPr lang="en-US" dirty="0"/>
               <a:pPr/>
-              <a:t>9/26/2018</a:t>
+              <a:t>9/27/2018</a:t>
             </a:fld>
             <a:endParaRPr lang="en-US" dirty="0"/>
           </a:p>
@@ -3295,7 +3295,7 @@
           <a:lstStyle/>
           <a:p>
             <a:r>
-              <a:rPr lang="ko-KR" altLang="en-US" smtClean="0"/>
+              <a:rPr lang="ko-KR" altLang="en-US"/>
               <a:t>마스터 제목 스타일 편집</a:t>
             </a:r>
             <a:endParaRPr lang="en-US" dirty="0"/>
@@ -3324,35 +3324,35 @@
           <a:p>
             <a:pPr lvl="0"/>
             <a:r>
-              <a:rPr lang="ko-KR" altLang="en-US" smtClean="0"/>
+              <a:rPr lang="ko-KR" altLang="en-US"/>
               <a:t>마스터 텍스트 스타일을 편집합니다</a:t>
             </a:r>
           </a:p>
           <a:p>
             <a:pPr lvl="1"/>
             <a:r>
-              <a:rPr lang="ko-KR" altLang="en-US" smtClean="0"/>
+              <a:rPr lang="ko-KR" altLang="en-US"/>
               <a:t>둘째 수준</a:t>
             </a:r>
           </a:p>
           <a:p>
             <a:pPr lvl="2"/>
             <a:r>
-              <a:rPr lang="ko-KR" altLang="en-US" smtClean="0"/>
+              <a:rPr lang="ko-KR" altLang="en-US"/>
               <a:t>셋째 수준</a:t>
             </a:r>
           </a:p>
           <a:p>
             <a:pPr lvl="3"/>
             <a:r>
-              <a:rPr lang="ko-KR" altLang="en-US" smtClean="0"/>
+              <a:rPr lang="ko-KR" altLang="en-US"/>
               <a:t>넷째 수준</a:t>
             </a:r>
           </a:p>
           <a:p>
             <a:pPr lvl="4"/>
             <a:r>
-              <a:rPr lang="ko-KR" altLang="en-US" smtClean="0"/>
+              <a:rPr lang="ko-KR" altLang="en-US"/>
               <a:t>다섯째 수준</a:t>
             </a:r>
             <a:endParaRPr lang="en-US" dirty="0"/>
@@ -3381,35 +3381,35 @@
           <a:p>
             <a:pPr lvl="0"/>
             <a:r>
-              <a:rPr lang="ko-KR" altLang="en-US" smtClean="0"/>
+              <a:rPr lang="ko-KR" altLang="en-US"/>
               <a:t>마스터 텍스트 스타일을 편집합니다</a:t>
             </a:r>
           </a:p>
           <a:p>
             <a:pPr lvl="1"/>
             <a:r>
-              <a:rPr lang="ko-KR" altLang="en-US" smtClean="0"/>
+              <a:rPr lang="ko-KR" altLang="en-US"/>
               <a:t>둘째 수준</a:t>
             </a:r>
           </a:p>
           <a:p>
             <a:pPr lvl="2"/>
             <a:r>
-              <a:rPr lang="ko-KR" altLang="en-US" smtClean="0"/>
+              <a:rPr lang="ko-KR" altLang="en-US"/>
               <a:t>셋째 수준</a:t>
             </a:r>
           </a:p>
           <a:p>
             <a:pPr lvl="3"/>
             <a:r>
-              <a:rPr lang="ko-KR" altLang="en-US" smtClean="0"/>
+              <a:rPr lang="ko-KR" altLang="en-US"/>
               <a:t>넷째 수준</a:t>
             </a:r>
           </a:p>
           <a:p>
             <a:pPr lvl="4"/>
             <a:r>
-              <a:rPr lang="ko-KR" altLang="en-US" smtClean="0"/>
+              <a:rPr lang="ko-KR" altLang="en-US"/>
               <a:t>다섯째 수준</a:t>
             </a:r>
             <a:endParaRPr lang="en-US" dirty="0"/>
@@ -3433,7 +3433,7 @@
           <a:p>
             <a:fld id="{42A54C80-263E-416B-A8E0-580EDEADCBDC}" type="datetimeFigureOut">
               <a:rPr lang="en-US" dirty="0"/>
-              <a:t>9/26/2018</a:t>
+              <a:t>9/27/2018</a:t>
             </a:fld>
             <a:endParaRPr lang="en-US" dirty="0"/>
           </a:p>
@@ -3526,7 +3526,7 @@
           </a:lstStyle>
           <a:p>
             <a:r>
-              <a:rPr lang="ko-KR" altLang="en-US" smtClean="0"/>
+              <a:rPr lang="ko-KR" altLang="en-US"/>
               <a:t>마스터 제목 스타일 편집</a:t>
             </a:r>
             <a:endParaRPr lang="en-US" dirty="0"/>
@@ -3594,7 +3594,7 @@
           <a:p>
             <a:pPr lvl="0"/>
             <a:r>
-              <a:rPr lang="ko-KR" altLang="en-US" smtClean="0"/>
+              <a:rPr lang="ko-KR" altLang="en-US"/>
               <a:t>마스터 텍스트 스타일을 편집합니다</a:t>
             </a:r>
           </a:p>
@@ -3624,35 +3624,35 @@
           <a:p>
             <a:pPr lvl="0"/>
             <a:r>
-              <a:rPr lang="ko-KR" altLang="en-US" smtClean="0"/>
+              <a:rPr lang="ko-KR" altLang="en-US"/>
               <a:t>마스터 텍스트 스타일을 편집합니다</a:t>
             </a:r>
           </a:p>
           <a:p>
             <a:pPr lvl="1"/>
             <a:r>
-              <a:rPr lang="ko-KR" altLang="en-US" smtClean="0"/>
+              <a:rPr lang="ko-KR" altLang="en-US"/>
               <a:t>둘째 수준</a:t>
             </a:r>
           </a:p>
           <a:p>
             <a:pPr lvl="2"/>
             <a:r>
-              <a:rPr lang="ko-KR" altLang="en-US" smtClean="0"/>
+              <a:rPr lang="ko-KR" altLang="en-US"/>
               <a:t>셋째 수준</a:t>
             </a:r>
           </a:p>
           <a:p>
             <a:pPr lvl="3"/>
             <a:r>
-              <a:rPr lang="ko-KR" altLang="en-US" smtClean="0"/>
+              <a:rPr lang="ko-KR" altLang="en-US"/>
               <a:t>넷째 수준</a:t>
             </a:r>
           </a:p>
           <a:p>
             <a:pPr lvl="4"/>
             <a:r>
-              <a:rPr lang="ko-KR" altLang="en-US" smtClean="0"/>
+              <a:rPr lang="ko-KR" altLang="en-US"/>
               <a:t>다섯째 수준</a:t>
             </a:r>
             <a:endParaRPr lang="en-US" dirty="0"/>
@@ -3720,7 +3720,7 @@
           <a:p>
             <a:pPr lvl="0"/>
             <a:r>
-              <a:rPr lang="ko-KR" altLang="en-US" smtClean="0"/>
+              <a:rPr lang="ko-KR" altLang="en-US"/>
               <a:t>마스터 텍스트 스타일을 편집합니다</a:t>
             </a:r>
           </a:p>
@@ -3750,35 +3750,35 @@
           <a:p>
             <a:pPr lvl="0"/>
             <a:r>
-              <a:rPr lang="ko-KR" altLang="en-US" smtClean="0"/>
+              <a:rPr lang="ko-KR" altLang="en-US"/>
               <a:t>마스터 텍스트 스타일을 편집합니다</a:t>
             </a:r>
           </a:p>
           <a:p>
             <a:pPr lvl="1"/>
             <a:r>
-              <a:rPr lang="ko-KR" altLang="en-US" smtClean="0"/>
+              <a:rPr lang="ko-KR" altLang="en-US"/>
               <a:t>둘째 수준</a:t>
             </a:r>
           </a:p>
           <a:p>
             <a:pPr lvl="2"/>
             <a:r>
-              <a:rPr lang="ko-KR" altLang="en-US" smtClean="0"/>
+              <a:rPr lang="ko-KR" altLang="en-US"/>
               <a:t>셋째 수준</a:t>
             </a:r>
           </a:p>
           <a:p>
             <a:pPr lvl="3"/>
             <a:r>
-              <a:rPr lang="ko-KR" altLang="en-US" smtClean="0"/>
+              <a:rPr lang="ko-KR" altLang="en-US"/>
               <a:t>넷째 수준</a:t>
             </a:r>
           </a:p>
           <a:p>
             <a:pPr lvl="4"/>
             <a:r>
-              <a:rPr lang="ko-KR" altLang="en-US" smtClean="0"/>
+              <a:rPr lang="ko-KR" altLang="en-US"/>
               <a:t>다섯째 수준</a:t>
             </a:r>
             <a:endParaRPr lang="en-US" dirty="0"/>
@@ -3803,7 +3803,7 @@
             <a:fld id="{B61BEF0D-F0BB-DE4B-95CE-6DB70DBA9567}" type="datetimeFigureOut">
               <a:rPr lang="en-US" dirty="0"/>
               <a:pPr/>
-              <a:t>9/26/2018</a:t>
+              <a:t>9/27/2018</a:t>
             </a:fld>
             <a:endParaRPr lang="en-US" dirty="0"/>
           </a:p>
@@ -3898,7 +3898,7 @@
           <a:lstStyle/>
           <a:p>
             <a:r>
-              <a:rPr lang="ko-KR" altLang="en-US" smtClean="0"/>
+              <a:rPr lang="ko-KR" altLang="en-US"/>
               <a:t>마스터 제목 스타일 편집</a:t>
             </a:r>
             <a:endParaRPr lang="en-US" dirty="0"/>
@@ -3923,7 +3923,7 @@
             <a:fld id="{B61BEF0D-F0BB-DE4B-95CE-6DB70DBA9567}" type="datetimeFigureOut">
               <a:rPr lang="en-US" dirty="0"/>
               <a:pPr/>
-              <a:t>9/26/2018</a:t>
+              <a:t>9/27/2018</a:t>
             </a:fld>
             <a:endParaRPr lang="en-US" dirty="0"/>
           </a:p>
@@ -4015,7 +4015,7 @@
             <a:fld id="{B61BEF0D-F0BB-DE4B-95CE-6DB70DBA9567}" type="datetimeFigureOut">
               <a:rPr lang="en-US" dirty="0"/>
               <a:pPr/>
-              <a:t>9/26/2018</a:t>
+              <a:t>9/27/2018</a:t>
             </a:fld>
             <a:endParaRPr lang="en-US" dirty="0"/>
           </a:p>
@@ -4116,7 +4116,7 @@
           </a:lstStyle>
           <a:p>
             <a:r>
-              <a:rPr lang="ko-KR" altLang="en-US" smtClean="0"/>
+              <a:rPr lang="ko-KR" altLang="en-US"/>
               <a:t>마스터 제목 스타일 편집</a:t>
             </a:r>
             <a:endParaRPr lang="en-US" dirty="0"/>
@@ -4147,35 +4147,35 @@
           <a:p>
             <a:pPr lvl="0"/>
             <a:r>
-              <a:rPr lang="ko-KR" altLang="en-US" smtClean="0"/>
+              <a:rPr lang="ko-KR" altLang="en-US"/>
               <a:t>마스터 텍스트 스타일을 편집합니다</a:t>
             </a:r>
           </a:p>
           <a:p>
             <a:pPr lvl="1"/>
             <a:r>
-              <a:rPr lang="ko-KR" altLang="en-US" smtClean="0"/>
+              <a:rPr lang="ko-KR" altLang="en-US"/>
               <a:t>둘째 수준</a:t>
             </a:r>
           </a:p>
           <a:p>
             <a:pPr lvl="2"/>
             <a:r>
-              <a:rPr lang="ko-KR" altLang="en-US" smtClean="0"/>
+              <a:rPr lang="ko-KR" altLang="en-US"/>
               <a:t>셋째 수준</a:t>
             </a:r>
           </a:p>
           <a:p>
             <a:pPr lvl="3"/>
             <a:r>
-              <a:rPr lang="ko-KR" altLang="en-US" smtClean="0"/>
+              <a:rPr lang="ko-KR" altLang="en-US"/>
               <a:t>넷째 수준</a:t>
             </a:r>
           </a:p>
           <a:p>
             <a:pPr lvl="4"/>
             <a:r>
-              <a:rPr lang="ko-KR" altLang="en-US" smtClean="0"/>
+              <a:rPr lang="ko-KR" altLang="en-US"/>
               <a:t>다섯째 수준</a:t>
             </a:r>
             <a:endParaRPr lang="en-US" dirty="0"/>
@@ -4243,7 +4243,7 @@
           <a:p>
             <a:pPr lvl="0"/>
             <a:r>
-              <a:rPr lang="ko-KR" altLang="en-US" smtClean="0"/>
+              <a:rPr lang="ko-KR" altLang="en-US"/>
               <a:t>마스터 텍스트 스타일을 편집합니다</a:t>
             </a:r>
           </a:p>
@@ -4266,7 +4266,7 @@
           <a:p>
             <a:fld id="{42A54C80-263E-416B-A8E0-580EDEADCBDC}" type="datetimeFigureOut">
               <a:rPr lang="en-US" dirty="0"/>
-              <a:t>9/26/2018</a:t>
+              <a:t>9/27/2018</a:t>
             </a:fld>
             <a:endParaRPr lang="en-US" dirty="0"/>
           </a:p>
@@ -4366,7 +4366,7 @@
           </a:lstStyle>
           <a:p>
             <a:r>
-              <a:rPr lang="ko-KR" altLang="en-US" smtClean="0"/>
+              <a:rPr lang="ko-KR" altLang="en-US"/>
               <a:t>마스터 제목 스타일 편집</a:t>
             </a:r>
             <a:endParaRPr lang="en-US" dirty="0"/>
@@ -4433,7 +4433,7 @@
           </a:lstStyle>
           <a:p>
             <a:r>
-              <a:rPr lang="ko-KR" altLang="en-US" smtClean="0"/>
+              <a:rPr lang="ko-KR" altLang="en-US"/>
               <a:t>그림을 추가하려면 아이콘을 클릭하십시오</a:t>
             </a:r>
             <a:endParaRPr lang="en-US" dirty="0"/>
@@ -4501,7 +4501,7 @@
           <a:p>
             <a:pPr lvl="0"/>
             <a:r>
-              <a:rPr lang="ko-KR" altLang="en-US" smtClean="0"/>
+              <a:rPr lang="ko-KR" altLang="en-US"/>
               <a:t>마스터 텍스트 스타일을 편집합니다</a:t>
             </a:r>
           </a:p>
@@ -4568,7 +4568,7 @@
             <a:fld id="{B61BEF0D-F0BB-DE4B-95CE-6DB70DBA9567}" type="datetimeFigureOut">
               <a:rPr lang="en-US" dirty="0"/>
               <a:pPr/>
-              <a:t>9/26/2018</a:t>
+              <a:t>9/27/2018</a:t>
             </a:fld>
             <a:endParaRPr lang="en-US" dirty="0"/>
           </a:p>
@@ -5161,7 +5161,7 @@
           <a:lstStyle/>
           <a:p>
             <a:r>
-              <a:rPr lang="ko-KR" altLang="en-US" smtClean="0"/>
+              <a:rPr lang="ko-KR" altLang="en-US"/>
               <a:t>마스터 제목 스타일 편집</a:t>
             </a:r>
             <a:endParaRPr lang="en-US" dirty="0"/>
@@ -5195,35 +5195,35 @@
           <a:p>
             <a:pPr lvl="0"/>
             <a:r>
-              <a:rPr lang="ko-KR" altLang="en-US" smtClean="0"/>
+              <a:rPr lang="ko-KR" altLang="en-US"/>
               <a:t>마스터 텍스트 스타일을 편집합니다</a:t>
             </a:r>
           </a:p>
           <a:p>
             <a:pPr lvl="1"/>
             <a:r>
-              <a:rPr lang="ko-KR" altLang="en-US" smtClean="0"/>
+              <a:rPr lang="ko-KR" altLang="en-US"/>
               <a:t>둘째 수준</a:t>
             </a:r>
           </a:p>
           <a:p>
             <a:pPr lvl="2"/>
             <a:r>
-              <a:rPr lang="ko-KR" altLang="en-US" smtClean="0"/>
+              <a:rPr lang="ko-KR" altLang="en-US"/>
               <a:t>셋째 수준</a:t>
             </a:r>
           </a:p>
           <a:p>
             <a:pPr lvl="3"/>
             <a:r>
-              <a:rPr lang="ko-KR" altLang="en-US" smtClean="0"/>
+              <a:rPr lang="ko-KR" altLang="en-US"/>
               <a:t>넷째 수준</a:t>
             </a:r>
           </a:p>
           <a:p>
             <a:pPr lvl="4"/>
             <a:r>
-              <a:rPr lang="ko-KR" altLang="en-US" smtClean="0"/>
+              <a:rPr lang="ko-KR" altLang="en-US"/>
               <a:t>다섯째 수준</a:t>
             </a:r>
             <a:endParaRPr lang="en-US" dirty="0"/>
@@ -5266,7 +5266,7 @@
             <a:fld id="{B61BEF0D-F0BB-DE4B-95CE-6DB70DBA9567}" type="datetimeFigureOut">
               <a:rPr lang="en-US" dirty="0"/>
               <a:pPr/>
-              <a:t>9/26/2018</a:t>
+              <a:t>9/27/2018</a:t>
             </a:fld>
             <a:endParaRPr lang="en-US" dirty="0"/>
           </a:p>
@@ -5802,7 +5802,7 @@
           <a:lstStyle/>
           <a:p>
             <a:r>
-              <a:rPr lang="en-US" altLang="ko-KR" sz="8000" dirty="0" smtClean="0"/>
+              <a:rPr lang="en-US" altLang="ko-KR" sz="8000" dirty="0"/>
               <a:t>WARMUP-TEAM PROJECT</a:t>
             </a:r>
             <a:endParaRPr lang="ko-KR" altLang="en-US" sz="8000" dirty="0"/>
@@ -5827,36 +5827,36 @@
           <a:lstStyle/>
           <a:p>
             <a:r>
-              <a:rPr lang="en-US" altLang="ko-KR" dirty="0" smtClean="0"/>
+              <a:rPr lang="en-US" altLang="ko-KR" dirty="0"/>
+              <a:t>201300883 </a:t>
+            </a:r>
+            <a:r>
+              <a:rPr lang="ko-KR" altLang="en-US" dirty="0"/>
+              <a:t>김진우</a:t>
+            </a:r>
+            <a:endParaRPr lang="en-US" altLang="ko-KR" dirty="0"/>
+          </a:p>
+          <a:p>
+            <a:r>
+              <a:rPr lang="en-US" altLang="ko-KR" dirty="0"/>
               <a:t>201400978 </a:t>
             </a:r>
             <a:r>
-              <a:rPr lang="ko-KR" altLang="en-US" dirty="0" smtClean="0"/>
+              <a:rPr lang="ko-KR" altLang="en-US" dirty="0"/>
               <a:t>나윤호</a:t>
             </a:r>
-            <a:endParaRPr lang="en-US" altLang="ko-KR" dirty="0" smtClean="0"/>
-          </a:p>
-          <a:p>
-            <a:r>
-              <a:rPr lang="en-US" altLang="ko-KR" dirty="0" smtClean="0"/>
+            <a:endParaRPr lang="en-US" altLang="ko-KR" dirty="0"/>
+          </a:p>
+          <a:p>
+            <a:r>
+              <a:rPr lang="en-US" altLang="ko-KR" dirty="0"/>
               <a:t>201402927 </a:t>
             </a:r>
             <a:r>
-              <a:rPr lang="ko-KR" altLang="en-US" dirty="0" smtClean="0"/>
+              <a:rPr lang="ko-KR" altLang="en-US" dirty="0"/>
               <a:t>전진우</a:t>
             </a:r>
-            <a:endParaRPr lang="en-US" altLang="ko-KR" dirty="0" smtClean="0"/>
-          </a:p>
-          <a:p>
-            <a:r>
-              <a:rPr lang="en-US" altLang="ko-KR" dirty="0" smtClean="0"/>
-              <a:t>201300883 </a:t>
-            </a:r>
-            <a:r>
-              <a:rPr lang="ko-KR" altLang="en-US" dirty="0" smtClean="0"/>
-              <a:t>김진우</a:t>
-            </a:r>
-            <a:endParaRPr lang="ko-KR" altLang="en-US" dirty="0"/>
+            <a:endParaRPr lang="en-US" altLang="ko-KR" dirty="0"/>
           </a:p>
         </p:txBody>
       </p:sp>
@@ -5908,10 +5908,9 @@
           <a:lstStyle/>
           <a:p>
             <a:r>
-              <a:rPr lang="ko-KR" altLang="en-US" sz="6600" dirty="0" smtClean="0"/>
+              <a:rPr lang="ko-KR" altLang="en-US" sz="6600" dirty="0"/>
               <a:t>목차</a:t>
             </a:r>
-            <a:endParaRPr lang="ko-KR" altLang="en-US" sz="6600" dirty="0"/>
           </a:p>
         </p:txBody>
       </p:sp>
@@ -5933,35 +5932,35 @@
           <a:lstStyle/>
           <a:p>
             <a:r>
-              <a:rPr lang="ko-KR" altLang="en-US" sz="3600" b="1" dirty="0" smtClean="0"/>
+              <a:rPr lang="ko-KR" altLang="en-US" sz="3600" b="1" dirty="0"/>
               <a:t>팀원소개</a:t>
             </a:r>
-            <a:endParaRPr lang="en-US" altLang="ko-KR" sz="3600" b="1" dirty="0" smtClean="0"/>
-          </a:p>
-          <a:p>
-            <a:r>
-              <a:rPr lang="ko-KR" altLang="en-US" sz="3600" b="1" dirty="0" smtClean="0"/>
+            <a:endParaRPr lang="en-US" altLang="ko-KR" sz="3600" b="1" dirty="0"/>
+          </a:p>
+          <a:p>
+            <a:r>
+              <a:rPr lang="ko-KR" altLang="en-US" sz="3600" b="1" dirty="0"/>
               <a:t>목표 및 목적</a:t>
             </a:r>
-            <a:endParaRPr lang="en-US" altLang="ko-KR" sz="3600" b="1" dirty="0" smtClean="0"/>
-          </a:p>
-          <a:p>
-            <a:r>
-              <a:rPr lang="ko-KR" altLang="en-US" sz="3600" b="1" dirty="0" smtClean="0"/>
+            <a:endParaRPr lang="en-US" altLang="ko-KR" sz="3600" b="1" dirty="0"/>
+          </a:p>
+          <a:p>
+            <a:r>
+              <a:rPr lang="ko-KR" altLang="en-US" sz="3600" b="1" dirty="0"/>
               <a:t>구성 및 구성도</a:t>
             </a:r>
-            <a:endParaRPr lang="en-US" altLang="ko-KR" sz="3600" b="1" dirty="0" smtClean="0"/>
-          </a:p>
-          <a:p>
-            <a:r>
-              <a:rPr lang="ko-KR" altLang="en-US" sz="3600" b="1" dirty="0" smtClean="0"/>
+            <a:endParaRPr lang="en-US" altLang="ko-KR" sz="3600" b="1" dirty="0"/>
+          </a:p>
+          <a:p>
+            <a:r>
+              <a:rPr lang="ko-KR" altLang="en-US" sz="3600" b="1" dirty="0"/>
               <a:t>시연</a:t>
             </a:r>
-            <a:endParaRPr lang="en-US" altLang="ko-KR" sz="3600" b="1" dirty="0" smtClean="0"/>
-          </a:p>
-          <a:p>
-            <a:r>
-              <a:rPr lang="en-US" altLang="ko-KR" sz="3600" b="1" dirty="0" smtClean="0"/>
+            <a:endParaRPr lang="en-US" altLang="ko-KR" sz="3600" b="1" dirty="0"/>
+          </a:p>
+          <a:p>
+            <a:r>
+              <a:rPr lang="en-US" altLang="ko-KR" sz="3600" b="1" dirty="0"/>
               <a:t>Q &amp; A</a:t>
             </a:r>
           </a:p>
@@ -6013,10 +6012,9 @@
           <a:lstStyle/>
           <a:p>
             <a:r>
-              <a:rPr lang="ko-KR" altLang="en-US" dirty="0" smtClean="0"/>
+              <a:rPr lang="ko-KR" altLang="en-US" dirty="0"/>
               <a:t>팀원소개</a:t>
             </a:r>
-            <a:endParaRPr lang="ko-KR" altLang="en-US" dirty="0"/>
           </a:p>
         </p:txBody>
       </p:sp>
@@ -6074,7 +6072,7 @@
           <a:p>
             <a:pPr algn="ctr"/>
             <a:r>
-              <a:rPr lang="ko-KR" altLang="en-US" sz="2200" b="1" dirty="0" smtClean="0">
+              <a:rPr lang="ko-KR" altLang="en-US" sz="2200" b="1" dirty="0">
                 <a:solidFill>
                   <a:schemeClr val="tx1">
                     <a:lumMod val="75000"/>
@@ -6084,14 +6082,6 @@
               </a:rPr>
               <a:t>전진우</a:t>
             </a:r>
-            <a:endParaRPr lang="ko-KR" altLang="en-US" sz="2200" b="1" dirty="0">
-              <a:solidFill>
-                <a:schemeClr val="tx1">
-                  <a:lumMod val="75000"/>
-                  <a:lumOff val="25000"/>
-                </a:schemeClr>
-              </a:solidFill>
-            </a:endParaRPr>
           </a:p>
         </p:txBody>
       </p:sp>
@@ -6130,7 +6120,7 @@
           <a:p>
             <a:pPr algn="ctr"/>
             <a:r>
-              <a:rPr lang="ko-KR" altLang="en-US" sz="2200" b="1" dirty="0" smtClean="0">
+              <a:rPr lang="ko-KR" altLang="en-US" sz="2200" b="1" dirty="0">
                 <a:solidFill>
                   <a:schemeClr val="tx1">
                     <a:lumMod val="75000"/>
@@ -6140,14 +6130,6 @@
               </a:rPr>
               <a:t>나윤호</a:t>
             </a:r>
-            <a:endParaRPr lang="ko-KR" altLang="en-US" sz="2200" b="1" dirty="0">
-              <a:solidFill>
-                <a:schemeClr val="tx1">
-                  <a:lumMod val="75000"/>
-                  <a:lumOff val="25000"/>
-                </a:schemeClr>
-              </a:solidFill>
-            </a:endParaRPr>
           </a:p>
         </p:txBody>
       </p:sp>
@@ -6186,7 +6168,7 @@
           <a:p>
             <a:pPr algn="ctr"/>
             <a:r>
-              <a:rPr lang="ko-KR" altLang="en-US" sz="2200" b="1" dirty="0" smtClean="0">
+              <a:rPr lang="ko-KR" altLang="en-US" sz="2200" b="1" dirty="0">
                 <a:solidFill>
                   <a:schemeClr val="tx1">
                     <a:lumMod val="75000"/>
@@ -6196,14 +6178,6 @@
               </a:rPr>
               <a:t>김진우</a:t>
             </a:r>
-            <a:endParaRPr lang="ko-KR" altLang="en-US" sz="2200" b="1" dirty="0">
-              <a:solidFill>
-                <a:schemeClr val="tx1">
-                  <a:lumMod val="75000"/>
-                  <a:lumOff val="25000"/>
-                </a:schemeClr>
-              </a:solidFill>
-            </a:endParaRPr>
           </a:p>
         </p:txBody>
       </p:sp>
@@ -6242,7 +6216,7 @@
           <a:p>
             <a:pPr algn="ctr"/>
             <a:r>
-              <a:rPr lang="en-US" altLang="ko-KR" dirty="0" smtClean="0"/>
+              <a:rPr lang="en-US" altLang="ko-KR" dirty="0"/>
               <a:t>Django server</a:t>
             </a:r>
             <a:endParaRPr lang="ko-KR" altLang="en-US" dirty="0"/>
@@ -6284,12 +6258,8 @@
           <a:p>
             <a:pPr algn="ctr"/>
             <a:r>
-              <a:rPr lang="en-US" altLang="ko-KR" dirty="0" err="1" smtClean="0"/>
-              <a:t>Rassberry</a:t>
-            </a:r>
-            <a:r>
-              <a:rPr lang="en-US" altLang="ko-KR" dirty="0" smtClean="0"/>
-              <a:t> Pi + Arduino</a:t>
+              <a:rPr lang="en-US" altLang="ko-KR" dirty="0"/>
+              <a:t>Raspberry Pi + Arduino</a:t>
             </a:r>
             <a:endParaRPr lang="ko-KR" altLang="en-US" dirty="0"/>
           </a:p>
@@ -6330,7 +6300,7 @@
           <a:p>
             <a:pPr algn="ctr"/>
             <a:r>
-              <a:rPr lang="en-US" altLang="ko-KR" dirty="0" smtClean="0"/>
+              <a:rPr lang="en-US" altLang="ko-KR" dirty="0"/>
               <a:t>Django server</a:t>
             </a:r>
             <a:endParaRPr lang="ko-KR" altLang="en-US" dirty="0"/>
@@ -6386,10 +6356,6 @@
               <a:rPr lang="ko-KR" altLang="en-US" b="1" dirty="0"/>
               <a:t>목표 및 목적</a:t>
             </a:r>
-            <a:r>
-              <a:rPr lang="en-US" altLang="ko-KR" b="1" dirty="0"/>
-              <a:t/>
-            </a:r>
             <a:br>
               <a:rPr lang="en-US" altLang="ko-KR" b="1" dirty="0"/>
             </a:br>
@@ -6420,16 +6386,12 @@
           <a:lstStyle/>
           <a:p>
             <a:r>
-              <a:rPr lang="ko-KR" altLang="en-US" dirty="0" smtClean="0"/>
+              <a:rPr lang="ko-KR" altLang="en-US" dirty="0"/>
               <a:t>목표 </a:t>
             </a:r>
             <a:r>
-              <a:rPr lang="en-US" altLang="ko-KR" dirty="0" smtClean="0"/>
-              <a:t>: Raspberry </a:t>
-            </a:r>
-            <a:r>
               <a:rPr lang="en-US" altLang="ko-KR" dirty="0"/>
-              <a:t>Pi </a:t>
+              <a:t>: Raspberry Pi </a:t>
             </a:r>
             <a:r>
               <a:rPr lang="ko-KR" altLang="en-US" dirty="0"/>
@@ -6452,7 +6414,7 @@
               <a:t>를 창안하고 다음에 따라 구현한다</a:t>
             </a:r>
             <a:r>
-              <a:rPr lang="en-US" altLang="ko-KR" dirty="0" smtClean="0"/>
+              <a:rPr lang="en-US" altLang="ko-KR" dirty="0"/>
               <a:t>.</a:t>
             </a:r>
           </a:p>
@@ -6460,20 +6422,20 @@
             <a:endParaRPr lang="en-US" altLang="ko-KR" dirty="0"/>
           </a:p>
           <a:p>
-            <a:endParaRPr lang="en-US" altLang="ko-KR" dirty="0" smtClean="0"/>
-          </a:p>
-          <a:p>
             <a:endParaRPr lang="en-US" altLang="ko-KR" dirty="0"/>
           </a:p>
           <a:p>
-            <a:endParaRPr lang="en-US" altLang="ko-KR" dirty="0" smtClean="0"/>
-          </a:p>
-          <a:p>
-            <a:endParaRPr lang="en-US" altLang="ko-KR" dirty="0" smtClean="0"/>
-          </a:p>
-          <a:p>
-            <a:r>
-              <a:rPr lang="ko-KR" altLang="en-US" dirty="0" smtClean="0"/>
+            <a:endParaRPr lang="en-US" altLang="ko-KR" dirty="0"/>
+          </a:p>
+          <a:p>
+            <a:endParaRPr lang="en-US" altLang="ko-KR" dirty="0"/>
+          </a:p>
+          <a:p>
+            <a:endParaRPr lang="en-US" altLang="ko-KR" dirty="0"/>
+          </a:p>
+          <a:p>
+            <a:r>
+              <a:rPr lang="ko-KR" altLang="en-US" dirty="0"/>
               <a:t>목적 </a:t>
             </a:r>
             <a:r>
@@ -6530,7 +6492,7 @@
             </a:r>
             <a:r>
               <a:rPr lang="ko-KR" altLang="en-US" dirty="0"/>
-              <a:t>에는 현재 온도 및 경고 기록을 저장한다</a:t>
+              <a:t>에는 경고 기록을 저장한다</a:t>
             </a:r>
             <a:r>
               <a:rPr lang="en-US" altLang="ko-KR" dirty="0"/>
@@ -6542,7 +6504,7 @@
             <a:endParaRPr lang="en-US" altLang="ko-KR" dirty="0"/>
           </a:p>
           <a:p>
-            <a:endParaRPr lang="en-US" altLang="ko-KR" dirty="0" smtClean="0"/>
+            <a:endParaRPr lang="en-US" altLang="ko-KR" dirty="0"/>
           </a:p>
           <a:p>
             <a:pPr>
@@ -6625,23 +6587,23 @@
               <a:t>를 전달한다</a:t>
             </a:r>
             <a:r>
-              <a:rPr lang="en-US" altLang="ko-KR" dirty="0" smtClean="0"/>
+              <a:rPr lang="en-US" altLang="ko-KR" dirty="0"/>
               <a:t>. (</a:t>
             </a:r>
             <a:r>
-              <a:rPr lang="ko-KR" altLang="en-US" dirty="0" smtClean="0"/>
+              <a:rPr lang="ko-KR" altLang="en-US" dirty="0"/>
               <a:t>참고 </a:t>
             </a:r>
             <a:r>
-              <a:rPr lang="en-US" altLang="ko-KR" dirty="0" smtClean="0"/>
+              <a:rPr lang="en-US" altLang="ko-KR" dirty="0"/>
               <a:t>: </a:t>
             </a:r>
             <a:r>
-              <a:rPr lang="en-US" altLang="ko-KR" dirty="0" err="1" smtClean="0"/>
+              <a:rPr lang="en-US" altLang="ko-KR" dirty="0" err="1"/>
               <a:t>urllib.request.Request</a:t>
             </a:r>
             <a:r>
-              <a:rPr lang="en-US" altLang="ko-KR" dirty="0" smtClean="0"/>
+              <a:rPr lang="en-US" altLang="ko-KR" dirty="0"/>
               <a:t>)</a:t>
             </a:r>
           </a:p>
@@ -6651,12 +6613,8 @@
               <a:buChar char="•"/>
             </a:pPr>
             <a:r>
-              <a:rPr lang="en-US" altLang="ko-KR" dirty="0" smtClean="0"/>
-              <a:t>Django Server </a:t>
-            </a:r>
-            <a:r>
               <a:rPr lang="en-US" altLang="ko-KR" dirty="0"/>
-              <a:t>: Web application</a:t>
+              <a:t>Django Server : Web application</a:t>
             </a:r>
             <a:r>
               <a:rPr lang="ko-KR" altLang="en-US" dirty="0"/>
@@ -6671,7 +6629,7 @@
               <a:t>로 저장한다</a:t>
             </a:r>
             <a:r>
-              <a:rPr lang="en-US" altLang="ko-KR" dirty="0" smtClean="0"/>
+              <a:rPr lang="en-US" altLang="ko-KR" dirty="0"/>
               <a:t>.</a:t>
             </a:r>
           </a:p>
@@ -6753,10 +6711,6 @@
               <a:rPr lang="ko-KR" altLang="en-US" b="1" dirty="0"/>
               <a:t>구성 및 구성도</a:t>
             </a:r>
-            <a:r>
-              <a:rPr lang="en-US" altLang="ko-KR" b="1" dirty="0"/>
-              <a:t/>
-            </a:r>
             <a:br>
               <a:rPr lang="en-US" altLang="ko-KR" b="1" dirty="0"/>
             </a:br>
@@ -6769,7 +6723,7 @@
           <p:cNvPr id="4" name="그림 3">
             <a:extLst>
               <a:ext uri="{FF2B5EF4-FFF2-40B4-BE49-F238E27FC236}">
-                <a16:creationId xmlns="" xmlns:a16="http://schemas.microsoft.com/office/drawing/2014/main" id="{6DD7969C-2228-45EE-A1C8-8D05E1A8BFD1}"/>
+                <a16:creationId xmlns:a16="http://schemas.microsoft.com/office/drawing/2014/main" id="{6DD7969C-2228-45EE-A1C8-8D05E1A8BFD1}"/>
               </a:ext>
             </a:extLst>
           </p:cNvPr>
@@ -6792,7 +6746,7 @@
         </p:blipFill>
         <p:spPr>
           <a:xfrm>
-            <a:off x="5112033" y="2918196"/>
+            <a:off x="5079507" y="2964977"/>
             <a:ext cx="1625397" cy="1625397"/>
           </a:xfrm>
           <a:prstGeom prst="rect">
@@ -6805,7 +6759,7 @@
           <p:cNvPr id="5" name="그림 4">
             <a:extLst>
               <a:ext uri="{FF2B5EF4-FFF2-40B4-BE49-F238E27FC236}">
-                <a16:creationId xmlns="" xmlns:a16="http://schemas.microsoft.com/office/drawing/2014/main" id="{87DF62C5-8FF4-4B8B-A7F1-30A611989EF9}"/>
+                <a16:creationId xmlns:a16="http://schemas.microsoft.com/office/drawing/2014/main" id="{87DF62C5-8FF4-4B8B-A7F1-30A611989EF9}"/>
               </a:ext>
             </a:extLst>
           </p:cNvPr>
@@ -6841,7 +6795,7 @@
           <p:cNvPr id="6" name="그림 5">
             <a:extLst>
               <a:ext uri="{FF2B5EF4-FFF2-40B4-BE49-F238E27FC236}">
-                <a16:creationId xmlns="" xmlns:a16="http://schemas.microsoft.com/office/drawing/2014/main" id="{6F89ABD3-A200-462E-9986-A7ABC6C4C3C3}"/>
+                <a16:creationId xmlns:a16="http://schemas.microsoft.com/office/drawing/2014/main" id="{6F89ABD3-A200-462E-9986-A7ABC6C4C3C3}"/>
               </a:ext>
             </a:extLst>
           </p:cNvPr>
@@ -6877,7 +6831,7 @@
           <p:cNvPr id="7" name="그림 6">
             <a:extLst>
               <a:ext uri="{FF2B5EF4-FFF2-40B4-BE49-F238E27FC236}">
-                <a16:creationId xmlns="" xmlns:a16="http://schemas.microsoft.com/office/drawing/2014/main" id="{2E312C42-2D32-4654-AF90-EEBCD1DF3982}"/>
+                <a16:creationId xmlns:a16="http://schemas.microsoft.com/office/drawing/2014/main" id="{2E312C42-2D32-4654-AF90-EEBCD1DF3982}"/>
               </a:ext>
             </a:extLst>
           </p:cNvPr>
@@ -6913,7 +6867,7 @@
           <p:cNvPr id="8" name="그림 7">
             <a:extLst>
               <a:ext uri="{FF2B5EF4-FFF2-40B4-BE49-F238E27FC236}">
-                <a16:creationId xmlns="" xmlns:a16="http://schemas.microsoft.com/office/drawing/2014/main" id="{F5211251-D55C-492C-880F-B2A9F0039781}"/>
+                <a16:creationId xmlns:a16="http://schemas.microsoft.com/office/drawing/2014/main" id="{F5211251-D55C-492C-880F-B2A9F0039781}"/>
               </a:ext>
             </a:extLst>
           </p:cNvPr>
@@ -6949,7 +6903,7 @@
           <p:cNvPr id="9" name="그림 8">
             <a:extLst>
               <a:ext uri="{FF2B5EF4-FFF2-40B4-BE49-F238E27FC236}">
-                <a16:creationId xmlns="" xmlns:a16="http://schemas.microsoft.com/office/drawing/2014/main" id="{E2D32878-0927-4D30-9A9E-D804055AF6A4}"/>
+                <a16:creationId xmlns:a16="http://schemas.microsoft.com/office/drawing/2014/main" id="{E2D32878-0927-4D30-9A9E-D804055AF6A4}"/>
               </a:ext>
             </a:extLst>
           </p:cNvPr>
@@ -6985,7 +6939,7 @@
           <p:cNvPr id="10" name="그림 9">
             <a:extLst>
               <a:ext uri="{FF2B5EF4-FFF2-40B4-BE49-F238E27FC236}">
-                <a16:creationId xmlns="" xmlns:a16="http://schemas.microsoft.com/office/drawing/2014/main" id="{890AD459-2358-4C1D-9C58-1CFA1EB44218}"/>
+                <a16:creationId xmlns:a16="http://schemas.microsoft.com/office/drawing/2014/main" id="{890AD459-2358-4C1D-9C58-1CFA1EB44218}"/>
               </a:ext>
             </a:extLst>
           </p:cNvPr>
@@ -7021,7 +6975,7 @@
           <p:cNvPr id="11" name="화살표: 아래쪽 19">
             <a:extLst>
               <a:ext uri="{FF2B5EF4-FFF2-40B4-BE49-F238E27FC236}">
-                <a16:creationId xmlns="" xmlns:a16="http://schemas.microsoft.com/office/drawing/2014/main" id="{65350F4D-8228-4FF3-B01E-440B8B54942D}"/>
+                <a16:creationId xmlns:a16="http://schemas.microsoft.com/office/drawing/2014/main" id="{65350F4D-8228-4FF3-B01E-440B8B54942D}"/>
               </a:ext>
             </a:extLst>
           </p:cNvPr>
@@ -7075,7 +7029,7 @@
           <p:cNvPr id="12" name="화살표: 아래쪽 20">
             <a:extLst>
               <a:ext uri="{FF2B5EF4-FFF2-40B4-BE49-F238E27FC236}">
-                <a16:creationId xmlns="" xmlns:a16="http://schemas.microsoft.com/office/drawing/2014/main" id="{E925046D-8570-4506-BCFD-0C80D08BBD05}"/>
+                <a16:creationId xmlns:a16="http://schemas.microsoft.com/office/drawing/2014/main" id="{E925046D-8570-4506-BCFD-0C80D08BBD05}"/>
               </a:ext>
             </a:extLst>
           </p:cNvPr>
@@ -7129,7 +7083,7 @@
           <p:cNvPr id="13" name="화살표: 아래쪽 21">
             <a:extLst>
               <a:ext uri="{FF2B5EF4-FFF2-40B4-BE49-F238E27FC236}">
-                <a16:creationId xmlns="" xmlns:a16="http://schemas.microsoft.com/office/drawing/2014/main" id="{085A39ED-091B-4CA4-9AC6-A541682AC87A}"/>
+                <a16:creationId xmlns:a16="http://schemas.microsoft.com/office/drawing/2014/main" id="{085A39ED-091B-4CA4-9AC6-A541682AC87A}"/>
               </a:ext>
             </a:extLst>
           </p:cNvPr>
@@ -7183,7 +7137,7 @@
           <p:cNvPr id="14" name="화살표: 아래쪽 22">
             <a:extLst>
               <a:ext uri="{FF2B5EF4-FFF2-40B4-BE49-F238E27FC236}">
-                <a16:creationId xmlns="" xmlns:a16="http://schemas.microsoft.com/office/drawing/2014/main" id="{B5A84197-A619-4F2B-8F08-694AA5D034EF}"/>
+                <a16:creationId xmlns:a16="http://schemas.microsoft.com/office/drawing/2014/main" id="{B5A84197-A619-4F2B-8F08-694AA5D034EF}"/>
               </a:ext>
             </a:extLst>
           </p:cNvPr>
@@ -7237,7 +7191,7 @@
           <p:cNvPr id="15" name="화살표: 아래쪽 23">
             <a:extLst>
               <a:ext uri="{FF2B5EF4-FFF2-40B4-BE49-F238E27FC236}">
-                <a16:creationId xmlns="" xmlns:a16="http://schemas.microsoft.com/office/drawing/2014/main" id="{A784E56F-178C-4D1D-BEEE-8713F70A5E8F}"/>
+                <a16:creationId xmlns:a16="http://schemas.microsoft.com/office/drawing/2014/main" id="{A784E56F-178C-4D1D-BEEE-8713F70A5E8F}"/>
               </a:ext>
             </a:extLst>
           </p:cNvPr>
@@ -7291,7 +7245,7 @@
           <p:cNvPr id="16" name="화살표: 아래쪽 25">
             <a:extLst>
               <a:ext uri="{FF2B5EF4-FFF2-40B4-BE49-F238E27FC236}">
-                <a16:creationId xmlns="" xmlns:a16="http://schemas.microsoft.com/office/drawing/2014/main" id="{9CCC8CB1-7D7A-4A24-B6CB-6628AEA77D31}"/>
+                <a16:creationId xmlns:a16="http://schemas.microsoft.com/office/drawing/2014/main" id="{9CCC8CB1-7D7A-4A24-B6CB-6628AEA77D31}"/>
               </a:ext>
             </a:extLst>
           </p:cNvPr>
@@ -7304,7 +7258,10 @@
             <a:ext cx="409434" cy="507633"/>
           </a:xfrm>
           <a:prstGeom prst="downArrow">
-            <a:avLst/>
+            <a:avLst>
+              <a:gd name="adj1" fmla="val 50000"/>
+              <a:gd name="adj2" fmla="val 50000"/>
+            </a:avLst>
           </a:prstGeom>
           <a:solidFill>
             <a:schemeClr val="accent6"/>
@@ -7345,7 +7302,7 @@
           <p:cNvPr id="17" name="화살표: 아래쪽 26">
             <a:extLst>
               <a:ext uri="{FF2B5EF4-FFF2-40B4-BE49-F238E27FC236}">
-                <a16:creationId xmlns="" xmlns:a16="http://schemas.microsoft.com/office/drawing/2014/main" id="{7AEED4E0-F75E-444C-A934-D350582507E8}"/>
+                <a16:creationId xmlns:a16="http://schemas.microsoft.com/office/drawing/2014/main" id="{7AEED4E0-F75E-444C-A934-D350582507E8}"/>
               </a:ext>
             </a:extLst>
           </p:cNvPr>
@@ -7399,7 +7356,7 @@
           <p:cNvPr id="18" name="TextBox 17">
             <a:extLst>
               <a:ext uri="{FF2B5EF4-FFF2-40B4-BE49-F238E27FC236}">
-                <a16:creationId xmlns="" xmlns:a16="http://schemas.microsoft.com/office/drawing/2014/main" id="{2B3E0D43-4C3E-47BB-8805-F81FEAE0760F}"/>
+                <a16:creationId xmlns:a16="http://schemas.microsoft.com/office/drawing/2014/main" id="{2B3E0D43-4C3E-47BB-8805-F81FEAE0760F}"/>
               </a:ext>
             </a:extLst>
           </p:cNvPr>
@@ -7408,8 +7365,8 @@
         </p:nvSpPr>
         <p:spPr>
           <a:xfrm>
-            <a:off x="1946743" y="3297845"/>
-            <a:ext cx="738567" cy="246221"/>
+            <a:off x="1852620" y="3105926"/>
+            <a:ext cx="1065476" cy="400110"/>
           </a:xfrm>
           <a:prstGeom prst="rect">
             <a:avLst/>
@@ -7424,7 +7381,7 @@
           <a:p>
             <a:r>
               <a:rPr lang="ko-KR" altLang="en-US" sz="1000" dirty="0"/>
-              <a:t>온도 측정</a:t>
+              <a:t>온도센서를 통한 온도 측정</a:t>
             </a:r>
           </a:p>
         </p:txBody>
@@ -7434,7 +7391,7 @@
           <p:cNvPr id="19" name="TextBox 18">
             <a:extLst>
               <a:ext uri="{FF2B5EF4-FFF2-40B4-BE49-F238E27FC236}">
-                <a16:creationId xmlns="" xmlns:a16="http://schemas.microsoft.com/office/drawing/2014/main" id="{D006802A-6DB0-43C4-B38A-0716D8E99D12}"/>
+                <a16:creationId xmlns:a16="http://schemas.microsoft.com/office/drawing/2014/main" id="{D006802A-6DB0-43C4-B38A-0716D8E99D12}"/>
               </a:ext>
             </a:extLst>
           </p:cNvPr>
@@ -7443,8 +7400,8 @@
         </p:nvSpPr>
         <p:spPr>
           <a:xfrm>
-            <a:off x="4261059" y="3264213"/>
-            <a:ext cx="850974" cy="246221"/>
+            <a:off x="4126295" y="3011535"/>
+            <a:ext cx="1065476" cy="553998"/>
           </a:xfrm>
           <a:prstGeom prst="rect">
             <a:avLst/>
@@ -7458,6 +7415,21 @@
           <a:lstStyle/>
           <a:p>
             <a:r>
+              <a:rPr lang="ko-KR" altLang="en-US" sz="1000" dirty="0" err="1"/>
+              <a:t>아두이노</a:t>
+            </a:r>
+            <a:r>
+              <a:rPr lang="en-US" altLang="ko-KR" sz="1000" dirty="0"/>
+              <a:t>-</a:t>
+            </a:r>
+            <a:r>
+              <a:rPr lang="ko-KR" altLang="en-US" sz="1000" dirty="0" err="1"/>
+              <a:t>라즈베리간</a:t>
+            </a:r>
+            <a:endParaRPr lang="en-US" altLang="ko-KR" sz="1000" dirty="0"/>
+          </a:p>
+          <a:p>
+            <a:r>
               <a:rPr lang="en-US" altLang="ko-KR" sz="1000" dirty="0"/>
               <a:t>Serial </a:t>
             </a:r>
@@ -7465,6 +7437,7 @@
               <a:rPr lang="ko-KR" altLang="en-US" sz="1000" dirty="0"/>
               <a:t>통신</a:t>
             </a:r>
+            <a:endParaRPr lang="en-US" altLang="ko-KR" sz="1000" dirty="0"/>
           </a:p>
         </p:txBody>
       </p:sp>
@@ -7473,7 +7446,7 @@
           <p:cNvPr id="20" name="TextBox 19">
             <a:extLst>
               <a:ext uri="{FF2B5EF4-FFF2-40B4-BE49-F238E27FC236}">
-                <a16:creationId xmlns="" xmlns:a16="http://schemas.microsoft.com/office/drawing/2014/main" id="{63E267C4-8CEE-470F-AC7B-FFADD1C2B620}"/>
+                <a16:creationId xmlns:a16="http://schemas.microsoft.com/office/drawing/2014/main" id="{63E267C4-8CEE-470F-AC7B-FFADD1C2B620}"/>
               </a:ext>
             </a:extLst>
           </p:cNvPr>
@@ -7498,11 +7471,7 @@
           <a:p>
             <a:r>
               <a:rPr lang="en-US" altLang="ko-KR" sz="1000" dirty="0"/>
-              <a:t>apache2 +Ubuntu Django </a:t>
-            </a:r>
-            <a:r>
-              <a:rPr lang="en-US" altLang="ko-KR" sz="1000" dirty="0" smtClean="0"/>
-              <a:t>server</a:t>
+              <a:t>apache2 +Ubuntu Django server</a:t>
             </a:r>
             <a:endParaRPr lang="ko-KR" altLang="en-US" sz="1000" dirty="0"/>
           </a:p>
@@ -7513,7 +7482,7 @@
           <p:cNvPr id="21" name="TextBox 20">
             <a:extLst>
               <a:ext uri="{FF2B5EF4-FFF2-40B4-BE49-F238E27FC236}">
-                <a16:creationId xmlns="" xmlns:a16="http://schemas.microsoft.com/office/drawing/2014/main" id="{2B3E0D43-4C3E-47BB-8805-F81FEAE0760F}"/>
+                <a16:creationId xmlns:a16="http://schemas.microsoft.com/office/drawing/2014/main" id="{2B3E0D43-4C3E-47BB-8805-F81FEAE0760F}"/>
               </a:ext>
             </a:extLst>
           </p:cNvPr>
@@ -7538,17 +7507,13 @@
           <a:p>
             <a:r>
               <a:rPr lang="ko-KR" altLang="en-US" sz="1000" dirty="0"/>
-              <a:t>온도 </a:t>
-            </a:r>
-            <a:r>
-              <a:rPr lang="ko-KR" altLang="en-US" sz="1000" dirty="0" smtClean="0"/>
-              <a:t>센서</a:t>
+              <a:t>온도 센서</a:t>
             </a:r>
             <a:endParaRPr lang="en-US" altLang="ko-KR" sz="1000" dirty="0"/>
           </a:p>
           <a:p>
             <a:r>
-              <a:rPr lang="en-US" altLang="ko-KR" sz="1000" dirty="0" smtClean="0"/>
+              <a:rPr lang="en-US" altLang="ko-KR" sz="1000" dirty="0"/>
               <a:t>(TMP36)</a:t>
             </a:r>
             <a:endParaRPr lang="ko-KR" altLang="en-US" sz="1000" dirty="0"/>
@@ -7560,7 +7525,7 @@
           <p:cNvPr id="22" name="TextBox 21">
             <a:extLst>
               <a:ext uri="{FF2B5EF4-FFF2-40B4-BE49-F238E27FC236}">
-                <a16:creationId xmlns="" xmlns:a16="http://schemas.microsoft.com/office/drawing/2014/main" id="{2B3E0D43-4C3E-47BB-8805-F81FEAE0760F}"/>
+                <a16:creationId xmlns:a16="http://schemas.microsoft.com/office/drawing/2014/main" id="{2B3E0D43-4C3E-47BB-8805-F81FEAE0760F}"/>
               </a:ext>
             </a:extLst>
           </p:cNvPr>
@@ -7584,7 +7549,7 @@
           <a:lstStyle/>
           <a:p>
             <a:r>
-              <a:rPr lang="en-US" altLang="ko-KR" sz="1000" dirty="0" smtClean="0"/>
+              <a:rPr lang="en-US" altLang="ko-KR" sz="1000" dirty="0"/>
               <a:t>Piezo buzzer</a:t>
             </a:r>
             <a:endParaRPr lang="ko-KR" altLang="en-US" sz="1000" dirty="0"/>
@@ -7596,7 +7561,7 @@
           <p:cNvPr id="23" name="TextBox 22">
             <a:extLst>
               <a:ext uri="{FF2B5EF4-FFF2-40B4-BE49-F238E27FC236}">
-                <a16:creationId xmlns="" xmlns:a16="http://schemas.microsoft.com/office/drawing/2014/main" id="{63E267C4-8CEE-470F-AC7B-FFADD1C2B620}"/>
+                <a16:creationId xmlns:a16="http://schemas.microsoft.com/office/drawing/2014/main" id="{63E267C4-8CEE-470F-AC7B-FFADD1C2B620}"/>
               </a:ext>
             </a:extLst>
           </p:cNvPr>
@@ -7606,7 +7571,7 @@
         <p:spPr>
           <a:xfrm>
             <a:off x="8116952" y="2317924"/>
-            <a:ext cx="2269309" cy="246221"/>
+            <a:ext cx="2269309" cy="400110"/>
           </a:xfrm>
           <a:prstGeom prst="rect">
             <a:avLst/>
@@ -7621,8 +7586,23 @@
           <a:p>
             <a:pPr algn="ctr"/>
             <a:r>
-              <a:rPr lang="en-US" altLang="ko-KR" sz="1000" dirty="0" smtClean="0"/>
-              <a:t>Sqlite3(DB)</a:t>
+              <a:rPr lang="en-US" altLang="ko-KR" sz="1000" dirty="0"/>
+              <a:t>Sqlite3(DB) </a:t>
+            </a:r>
+          </a:p>
+          <a:p>
+            <a:pPr algn="ctr"/>
+            <a:r>
+              <a:rPr lang="en-US" altLang="ko-KR" sz="1000" dirty="0"/>
+              <a:t>DB</a:t>
+            </a:r>
+            <a:r>
+              <a:rPr lang="ko-KR" altLang="en-US" sz="1000" dirty="0"/>
+              <a:t>테이블명</a:t>
+            </a:r>
+            <a:r>
+              <a:rPr lang="en-US" altLang="ko-KR" sz="1000" dirty="0"/>
+              <a:t>.save()</a:t>
             </a:r>
             <a:endParaRPr lang="ko-KR" altLang="en-US" sz="1000" dirty="0"/>
           </a:p>
@@ -7633,7 +7613,7 @@
           <p:cNvPr id="24" name="TextBox 23">
             <a:extLst>
               <a:ext uri="{FF2B5EF4-FFF2-40B4-BE49-F238E27FC236}">
-                <a16:creationId xmlns="" xmlns:a16="http://schemas.microsoft.com/office/drawing/2014/main" id="{D006802A-6DB0-43C4-B38A-0716D8E99D12}"/>
+                <a16:creationId xmlns:a16="http://schemas.microsoft.com/office/drawing/2014/main" id="{D006802A-6DB0-43C4-B38A-0716D8E99D12}"/>
               </a:ext>
             </a:extLst>
           </p:cNvPr>
@@ -7657,14 +7637,13 @@
           <a:lstStyle/>
           <a:p>
             <a:r>
-              <a:rPr lang="en-US" altLang="ko-KR" sz="1000" dirty="0" smtClean="0"/>
+              <a:rPr lang="en-US" altLang="ko-KR" sz="1000" dirty="0"/>
               <a:t>Piezo</a:t>
             </a:r>
             <a:r>
-              <a:rPr lang="ko-KR" altLang="en-US" sz="1000" dirty="0" smtClean="0"/>
+              <a:rPr lang="ko-KR" altLang="en-US" sz="1000" dirty="0"/>
               <a:t>를 통한 경고음 전달</a:t>
             </a:r>
-            <a:endParaRPr lang="ko-KR" altLang="en-US" sz="1000" dirty="0"/>
           </a:p>
         </p:txBody>
       </p:sp>
@@ -7673,7 +7652,7 @@
           <p:cNvPr id="25" name="TextBox 24">
             <a:extLst>
               <a:ext uri="{FF2B5EF4-FFF2-40B4-BE49-F238E27FC236}">
-                <a16:creationId xmlns="" xmlns:a16="http://schemas.microsoft.com/office/drawing/2014/main" id="{D006802A-6DB0-43C4-B38A-0716D8E99D12}"/>
+                <a16:creationId xmlns:a16="http://schemas.microsoft.com/office/drawing/2014/main" id="{D006802A-6DB0-43C4-B38A-0716D8E99D12}"/>
               </a:ext>
             </a:extLst>
           </p:cNvPr>
@@ -7683,7 +7662,7 @@
         <p:spPr>
           <a:xfrm>
             <a:off x="6422538" y="2413544"/>
-            <a:ext cx="1039046" cy="246221"/>
+            <a:ext cx="1039046" cy="553998"/>
           </a:xfrm>
           <a:prstGeom prst="rect">
             <a:avLst/>
@@ -7697,14 +7676,29 @@
           <a:lstStyle/>
           <a:p>
             <a:r>
-              <a:rPr lang="en-US" altLang="ko-KR" sz="1000" dirty="0" smtClean="0"/>
+              <a:rPr lang="en-US" altLang="ko-KR" sz="1000" dirty="0"/>
               <a:t>HTTP</a:t>
             </a:r>
             <a:r>
-              <a:rPr lang="ko-KR" altLang="en-US" sz="1000" dirty="0" smtClean="0"/>
+              <a:rPr lang="ko-KR" altLang="en-US" sz="1000" dirty="0"/>
               <a:t>통신</a:t>
             </a:r>
-            <a:endParaRPr lang="en-US" altLang="ko-KR" sz="1000" dirty="0" smtClean="0"/>
+            <a:endParaRPr lang="en-US" altLang="ko-KR" sz="1000" dirty="0"/>
+          </a:p>
+          <a:p>
+            <a:r>
+              <a:rPr lang="en-US" altLang="ko-KR" sz="1000" dirty="0" err="1"/>
+              <a:t>urlib.request.Request</a:t>
+            </a:r>
+            <a:r>
+              <a:rPr lang="en-US" altLang="ko-KR" sz="1000" dirty="0"/>
+              <a:t>() </a:t>
+            </a:r>
+            <a:r>
+              <a:rPr lang="ko-KR" altLang="en-US" sz="1000" dirty="0"/>
+              <a:t>사용</a:t>
+            </a:r>
+            <a:endParaRPr lang="en-US" altLang="ko-KR" sz="1000" dirty="0"/>
           </a:p>
         </p:txBody>
       </p:sp>
@@ -7713,7 +7707,7 @@
           <p:cNvPr id="26" name="TextBox 25">
             <a:extLst>
               <a:ext uri="{FF2B5EF4-FFF2-40B4-BE49-F238E27FC236}">
-                <a16:creationId xmlns="" xmlns:a16="http://schemas.microsoft.com/office/drawing/2014/main" id="{D006802A-6DB0-43C4-B38A-0716D8E99D12}"/>
+                <a16:creationId xmlns:a16="http://schemas.microsoft.com/office/drawing/2014/main" id="{D006802A-6DB0-43C4-B38A-0716D8E99D12}"/>
               </a:ext>
             </a:extLst>
           </p:cNvPr>
@@ -7722,7 +7716,7 @@
         </p:nvSpPr>
         <p:spPr>
           <a:xfrm>
-            <a:off x="8370357" y="2520263"/>
+            <a:off x="8370357" y="2864103"/>
             <a:ext cx="1762498" cy="400110"/>
           </a:xfrm>
           <a:prstGeom prst="rect">
@@ -7737,10 +7731,219 @@
           <a:lstStyle/>
           <a:p>
             <a:r>
-              <a:rPr lang="ko-KR" altLang="en-US" sz="1000" smtClean="0"/>
+              <a:rPr lang="ko-KR" altLang="en-US" sz="1000" dirty="0"/>
               <a:t>일정 시간간격의 온도기록 및 경고기록 저장</a:t>
             </a:r>
-            <a:endParaRPr lang="en-US" altLang="ko-KR" sz="1000" dirty="0" smtClean="0"/>
+            <a:endParaRPr lang="en-US" altLang="ko-KR" sz="1000" dirty="0"/>
+          </a:p>
+        </p:txBody>
+      </p:sp>
+      <p:sp>
+        <p:nvSpPr>
+          <p:cNvPr id="3" name="TextBox 2">
+            <a:extLst>
+              <a:ext uri="{FF2B5EF4-FFF2-40B4-BE49-F238E27FC236}">
+                <a16:creationId xmlns:a16="http://schemas.microsoft.com/office/drawing/2014/main" id="{97A4BFF1-3A4B-4F57-9257-10449939A417}"/>
+              </a:ext>
+            </a:extLst>
+          </p:cNvPr>
+          <p:cNvSpPr txBox="1"/>
+          <p:nvPr/>
+        </p:nvSpPr>
+        <p:spPr>
+          <a:xfrm>
+            <a:off x="7053988" y="2077566"/>
+            <a:ext cx="1625397" cy="246221"/>
+          </a:xfrm>
+          <a:prstGeom prst="rect">
+            <a:avLst/>
+          </a:prstGeom>
+          <a:noFill/>
+        </p:spPr>
+        <p:txBody>
+          <a:bodyPr wrap="square" rtlCol="0">
+            <a:spAutoFit/>
+          </a:bodyPr>
+          <a:lstStyle/>
+          <a:p>
+            <a:r>
+              <a:rPr lang="en-US" altLang="ko-KR" sz="1000" dirty="0"/>
+              <a:t>DB</a:t>
+            </a:r>
+            <a:r>
+              <a:rPr lang="ko-KR" altLang="en-US" sz="1000" dirty="0"/>
+              <a:t>테이블명</a:t>
+            </a:r>
+            <a:r>
+              <a:rPr lang="en-US" altLang="ko-KR" sz="1000" dirty="0"/>
+              <a:t>.</a:t>
+            </a:r>
+            <a:r>
+              <a:rPr lang="en-US" altLang="ko-KR" sz="1000" dirty="0" err="1"/>
+              <a:t>objects.all</a:t>
+            </a:r>
+            <a:r>
+              <a:rPr lang="en-US" altLang="ko-KR" sz="1000" dirty="0"/>
+              <a:t>()</a:t>
+            </a:r>
+            <a:endParaRPr lang="ko-KR" altLang="en-US" sz="1000" dirty="0"/>
+          </a:p>
+        </p:txBody>
+      </p:sp>
+      <p:sp>
+        <p:nvSpPr>
+          <p:cNvPr id="27" name="TextBox 26">
+            <a:extLst>
+              <a:ext uri="{FF2B5EF4-FFF2-40B4-BE49-F238E27FC236}">
+                <a16:creationId xmlns:a16="http://schemas.microsoft.com/office/drawing/2014/main" id="{CF5BFDDC-F89B-4595-8625-2170F63CEDE8}"/>
+              </a:ext>
+            </a:extLst>
+          </p:cNvPr>
+          <p:cNvSpPr txBox="1"/>
+          <p:nvPr/>
+        </p:nvSpPr>
+        <p:spPr>
+          <a:xfrm>
+            <a:off x="3832405" y="2087790"/>
+            <a:ext cx="1737324" cy="400110"/>
+          </a:xfrm>
+          <a:prstGeom prst="rect">
+            <a:avLst/>
+          </a:prstGeom>
+          <a:noFill/>
+        </p:spPr>
+        <p:txBody>
+          <a:bodyPr wrap="square" rtlCol="0">
+            <a:spAutoFit/>
+          </a:bodyPr>
+          <a:lstStyle/>
+          <a:p>
+            <a:r>
+              <a:rPr lang="en-US" altLang="ko-KR" sz="1000" dirty="0" err="1"/>
+              <a:t>Datetime.today</a:t>
+            </a:r>
+            <a:r>
+              <a:rPr lang="en-US" altLang="ko-KR" sz="1000" dirty="0"/>
+              <a:t>().</a:t>
+            </a:r>
+            <a:r>
+              <a:rPr lang="en-US" altLang="ko-KR" sz="1000" dirty="0" err="1"/>
+              <a:t>strftime</a:t>
+            </a:r>
+            <a:r>
+              <a:rPr lang="en-US" altLang="ko-KR" sz="1000" dirty="0"/>
+              <a:t>() </a:t>
+            </a:r>
+            <a:r>
+              <a:rPr lang="ko-KR" altLang="en-US" sz="1000" dirty="0"/>
+              <a:t>으로 시간 측정</a:t>
+            </a:r>
+          </a:p>
+        </p:txBody>
+      </p:sp>
+      <p:sp>
+        <p:nvSpPr>
+          <p:cNvPr id="30" name="TextBox 29">
+            <a:extLst>
+              <a:ext uri="{FF2B5EF4-FFF2-40B4-BE49-F238E27FC236}">
+                <a16:creationId xmlns:a16="http://schemas.microsoft.com/office/drawing/2014/main" id="{A8C9D4C9-6214-4D0E-AEE4-45B107313722}"/>
+              </a:ext>
+            </a:extLst>
+          </p:cNvPr>
+          <p:cNvSpPr txBox="1"/>
+          <p:nvPr/>
+        </p:nvSpPr>
+        <p:spPr>
+          <a:xfrm>
+            <a:off x="3832405" y="4278794"/>
+            <a:ext cx="1625397" cy="553998"/>
+          </a:xfrm>
+          <a:prstGeom prst="rect">
+            <a:avLst/>
+          </a:prstGeom>
+          <a:noFill/>
+        </p:spPr>
+        <p:txBody>
+          <a:bodyPr wrap="square" rtlCol="0">
+            <a:spAutoFit/>
+          </a:bodyPr>
+          <a:lstStyle/>
+          <a:p>
+            <a:r>
+              <a:rPr lang="ko-KR" altLang="en-US" sz="1000" dirty="0" err="1"/>
+              <a:t>아두이노로</a:t>
+            </a:r>
+            <a:r>
+              <a:rPr lang="ko-KR" altLang="en-US" sz="1000" dirty="0"/>
+              <a:t> </a:t>
+            </a:r>
+            <a:r>
+              <a:rPr lang="ko-KR" altLang="en-US" sz="1000" dirty="0" err="1"/>
+              <a:t>부터</a:t>
+            </a:r>
+            <a:r>
+              <a:rPr lang="ko-KR" altLang="en-US" sz="1000" dirty="0"/>
+              <a:t> 받은 </a:t>
+            </a:r>
+            <a:r>
+              <a:rPr lang="ko-KR" altLang="en-US" sz="1000" dirty="0" err="1"/>
+              <a:t>온도값</a:t>
+            </a:r>
+            <a:r>
+              <a:rPr lang="ko-KR" altLang="en-US" sz="1000" dirty="0"/>
+              <a:t> 문자열을 디코딩해서 정수로 변환</a:t>
+            </a:r>
+          </a:p>
+        </p:txBody>
+      </p:sp>
+      <p:sp>
+        <p:nvSpPr>
+          <p:cNvPr id="31" name="TextBox 30">
+            <a:extLst>
+              <a:ext uri="{FF2B5EF4-FFF2-40B4-BE49-F238E27FC236}">
+                <a16:creationId xmlns:a16="http://schemas.microsoft.com/office/drawing/2014/main" id="{D9F5116A-B3E4-422B-8A4E-86CD79B80AFA}"/>
+              </a:ext>
+            </a:extLst>
+          </p:cNvPr>
+          <p:cNvSpPr txBox="1"/>
+          <p:nvPr/>
+        </p:nvSpPr>
+        <p:spPr>
+          <a:xfrm>
+            <a:off x="7201999" y="671726"/>
+            <a:ext cx="1533626" cy="400110"/>
+          </a:xfrm>
+          <a:prstGeom prst="rect">
+            <a:avLst/>
+          </a:prstGeom>
+          <a:noFill/>
+        </p:spPr>
+        <p:txBody>
+          <a:bodyPr wrap="square" rtlCol="0">
+            <a:spAutoFit/>
+          </a:bodyPr>
+          <a:lstStyle/>
+          <a:p>
+            <a:r>
+              <a:rPr lang="ko-KR" altLang="en-US" sz="1000" dirty="0"/>
+              <a:t>측정된 </a:t>
+            </a:r>
+            <a:r>
+              <a:rPr lang="ko-KR" altLang="en-US" sz="1000" dirty="0" err="1"/>
+              <a:t>시간값과</a:t>
+            </a:r>
+            <a:r>
+              <a:rPr lang="ko-KR" altLang="en-US" sz="1000" dirty="0"/>
+              <a:t> </a:t>
+            </a:r>
+            <a:r>
+              <a:rPr lang="ko-KR" altLang="en-US" sz="1000" dirty="0" err="1"/>
+              <a:t>경고알림을</a:t>
+            </a:r>
+            <a:r>
+              <a:rPr lang="ko-KR" altLang="en-US" sz="1000" dirty="0"/>
+              <a:t> 저장</a:t>
+            </a:r>
           </a:p>
         </p:txBody>
       </p:sp>
@@ -7797,10 +8000,45 @@
           <a:lstStyle/>
           <a:p>
             <a:r>
-              <a:rPr lang="ko-KR" altLang="en-US" sz="14000" b="1" dirty="0" smtClean="0"/>
+              <a:rPr lang="ko-KR" altLang="en-US" sz="14000" b="1" dirty="0"/>
               <a:t>시연</a:t>
             </a:r>
             <a:endParaRPr lang="ko-KR" altLang="en-US" sz="14000" dirty="0"/>
+          </a:p>
+        </p:txBody>
+      </p:sp>
+      <p:sp>
+        <p:nvSpPr>
+          <p:cNvPr id="3" name="TextBox 2">
+            <a:extLst>
+              <a:ext uri="{FF2B5EF4-FFF2-40B4-BE49-F238E27FC236}">
+                <a16:creationId xmlns:a16="http://schemas.microsoft.com/office/drawing/2014/main" id="{967AE308-2194-4F9B-B19C-6D56D9554CEA}"/>
+              </a:ext>
+            </a:extLst>
+          </p:cNvPr>
+          <p:cNvSpPr txBox="1"/>
+          <p:nvPr/>
+        </p:nvSpPr>
+        <p:spPr>
+          <a:xfrm>
+            <a:off x="3212983" y="4555222"/>
+            <a:ext cx="4932726" cy="369332"/>
+          </a:xfrm>
+          <a:prstGeom prst="rect">
+            <a:avLst/>
+          </a:prstGeom>
+          <a:noFill/>
+        </p:spPr>
+        <p:txBody>
+          <a:bodyPr wrap="square" rtlCol="0">
+            <a:spAutoFit/>
+          </a:bodyPr>
+          <a:lstStyle/>
+          <a:p>
+            <a:r>
+              <a:rPr lang="ko-KR" altLang="en-US" dirty="0"/>
+              <a:t>데스크탑 서버를 이용하여 원격으로 시연함</a:t>
+            </a:r>
           </a:p>
         </p:txBody>
       </p:sp>
@@ -7875,6 +8113,42 @@
           </a:extLst>
         </p:spPr>
       </p:pic>
+      <p:sp>
+        <p:nvSpPr>
+          <p:cNvPr id="2" name="TextBox 1">
+            <a:extLst>
+              <a:ext uri="{FF2B5EF4-FFF2-40B4-BE49-F238E27FC236}">
+                <a16:creationId xmlns:a16="http://schemas.microsoft.com/office/drawing/2014/main" id="{E85C8EE5-7C46-42ED-878B-5D5B7F44255F}"/>
+              </a:ext>
+            </a:extLst>
+          </p:cNvPr>
+          <p:cNvSpPr txBox="1"/>
+          <p:nvPr/>
+        </p:nvSpPr>
+        <p:spPr>
+          <a:xfrm>
+            <a:off x="2969703" y="5194128"/>
+            <a:ext cx="4689446" cy="369332"/>
+          </a:xfrm>
+          <a:prstGeom prst="rect">
+            <a:avLst/>
+          </a:prstGeom>
+          <a:noFill/>
+        </p:spPr>
+        <p:txBody>
+          <a:bodyPr wrap="square" rtlCol="0">
+            <a:spAutoFit/>
+          </a:bodyPr>
+          <a:lstStyle/>
+          <a:p>
+            <a:r>
+              <a:rPr lang="en-US" altLang="ko-KR" dirty="0"/>
+              <a:t>http://222.117.181.227:8080/polls/</a:t>
+            </a:r>
+            <a:endParaRPr lang="ko-KR" altLang="en-US" dirty="0"/>
+          </a:p>
+        </p:txBody>
+      </p:sp>
     </p:spTree>
     <p:extLst>
       <p:ext uri="{BB962C8B-B14F-4D97-AF65-F5344CB8AC3E}">
